--- a/docs/images/StorageClassDiagram.pptx
+++ b/docs/images/StorageClassDiagram.pptx
@@ -217,7 +217,7 @@
           <a:p>
             <a:fld id="{41BD1D1A-6182-4434-B651-E6786C99D69D}" type="datetimeFigureOut">
               <a:rPr lang="en-AU" smtClean="0"/>
-              <a:t>30/01/2017</a:t>
+              <a:t>20/8/18</a:t>
             </a:fld>
             <a:endParaRPr lang="en-AU"/>
           </a:p>
@@ -383,7 +383,7 @@
             <a:fld id="{AF301891-4E62-472A-98E9-95DBD40531A4}" type="datetimeFigureOut">
               <a:rPr lang="en-SG" smtClean="0"/>
               <a:pPr/>
-              <a:t>30/1/2017</a:t>
+              <a:t>20/8/18</a:t>
             </a:fld>
             <a:endParaRPr lang="en-SG"/>
           </a:p>
@@ -938,7 +938,7 @@
             <a:fld id="{1D8BD707-D9CF-40AE-B4C6-C98DA3205C09}" type="datetimeFigureOut">
               <a:rPr lang="en-US" smtClean="0"/>
               <a:pPr/>
-              <a:t>1/30/2017</a:t>
+              <a:t>8/20/18</a:t>
             </a:fld>
             <a:endParaRPr lang="en-US"/>
           </a:p>
@@ -1152,7 +1152,7 @@
             <a:fld id="{1D8BD707-D9CF-40AE-B4C6-C98DA3205C09}" type="datetimeFigureOut">
               <a:rPr lang="en-US" smtClean="0"/>
               <a:pPr/>
-              <a:t>1/30/2017</a:t>
+              <a:t>8/20/18</a:t>
             </a:fld>
             <a:endParaRPr lang="en-US"/>
           </a:p>
@@ -1359,7 +1359,7 @@
             <a:fld id="{1D8BD707-D9CF-40AE-B4C6-C98DA3205C09}" type="datetimeFigureOut">
               <a:rPr lang="en-US" smtClean="0"/>
               <a:pPr/>
-              <a:t>1/30/2017</a:t>
+              <a:t>8/20/18</a:t>
             </a:fld>
             <a:endParaRPr lang="en-US"/>
           </a:p>
@@ -1566,7 +1566,7 @@
             <a:fld id="{1D8BD707-D9CF-40AE-B4C6-C98DA3205C09}" type="datetimeFigureOut">
               <a:rPr lang="en-US" smtClean="0"/>
               <a:pPr/>
-              <a:t>1/30/2017</a:t>
+              <a:t>8/20/18</a:t>
             </a:fld>
             <a:endParaRPr lang="en-US"/>
           </a:p>
@@ -1846,7 +1846,7 @@
             <a:fld id="{1D8BD707-D9CF-40AE-B4C6-C98DA3205C09}" type="datetimeFigureOut">
               <a:rPr lang="en-US" smtClean="0"/>
               <a:pPr/>
-              <a:t>1/30/2017</a:t>
+              <a:t>8/20/18</a:t>
             </a:fld>
             <a:endParaRPr lang="en-US"/>
           </a:p>
@@ -2176,7 +2176,7 @@
             <a:fld id="{1D8BD707-D9CF-40AE-B4C6-C98DA3205C09}" type="datetimeFigureOut">
               <a:rPr lang="en-US" smtClean="0"/>
               <a:pPr/>
-              <a:t>1/30/2017</a:t>
+              <a:t>8/20/18</a:t>
             </a:fld>
             <a:endParaRPr lang="en-US"/>
           </a:p>
@@ -2646,7 +2646,7 @@
             <a:fld id="{1D8BD707-D9CF-40AE-B4C6-C98DA3205C09}" type="datetimeFigureOut">
               <a:rPr lang="en-US" smtClean="0"/>
               <a:pPr/>
-              <a:t>1/30/2017</a:t>
+              <a:t>8/20/18</a:t>
             </a:fld>
             <a:endParaRPr lang="en-US"/>
           </a:p>
@@ -2793,7 +2793,7 @@
             <a:fld id="{1D8BD707-D9CF-40AE-B4C6-C98DA3205C09}" type="datetimeFigureOut">
               <a:rPr lang="en-US" smtClean="0"/>
               <a:pPr/>
-              <a:t>1/30/2017</a:t>
+              <a:t>8/20/18</a:t>
             </a:fld>
             <a:endParaRPr lang="en-US"/>
           </a:p>
@@ -2909,7 +2909,7 @@
             <a:fld id="{1D8BD707-D9CF-40AE-B4C6-C98DA3205C09}" type="datetimeFigureOut">
               <a:rPr lang="en-US" smtClean="0"/>
               <a:pPr/>
-              <a:t>1/30/2017</a:t>
+              <a:t>8/20/18</a:t>
             </a:fld>
             <a:endParaRPr lang="en-US"/>
           </a:p>
@@ -3216,7 +3216,7 @@
             <a:fld id="{1D8BD707-D9CF-40AE-B4C6-C98DA3205C09}" type="datetimeFigureOut">
               <a:rPr lang="en-US" smtClean="0"/>
               <a:pPr/>
-              <a:t>1/30/2017</a:t>
+              <a:t>8/20/18</a:t>
             </a:fld>
             <a:endParaRPr lang="en-US"/>
           </a:p>
@@ -3499,7 +3499,7 @@
             <a:fld id="{1D8BD707-D9CF-40AE-B4C6-C98DA3205C09}" type="datetimeFigureOut">
               <a:rPr lang="en-US" smtClean="0"/>
               <a:pPr/>
-              <a:t>1/30/2017</a:t>
+              <a:t>8/20/18</a:t>
             </a:fld>
             <a:endParaRPr lang="en-US"/>
           </a:p>
@@ -5825,6 +5825,48 @@
                 <a:schemeClr val="tx1">
                   <a:lumMod val="50000"/>
                   <a:lumOff val="50000"/>
+                </a:schemeClr>
+              </a:solidFill>
+            </a:endParaRPr>
+          </a:p>
+        </p:txBody>
+      </p:sp>
+      <p:sp>
+        <p:nvSpPr>
+          <p:cNvPr id="92" name="TextBox 91"/>
+          <p:cNvSpPr txBox="1"/>
+          <p:nvPr/>
+        </p:nvSpPr>
+        <p:spPr>
+          <a:xfrm>
+            <a:off x="8227645" y="3243264"/>
+            <a:ext cx="429067" cy="211027"/>
+          </a:xfrm>
+          <a:prstGeom prst="rect">
+            <a:avLst/>
+          </a:prstGeom>
+          <a:noFill/>
+        </p:spPr>
+        <p:txBody>
+          <a:bodyPr wrap="square" lIns="0" tIns="0" rIns="0" bIns="0" rtlCol="0" anchor="ctr" anchorCtr="0">
+            <a:noAutofit/>
+          </a:bodyPr>
+          <a:lstStyle/>
+          <a:p>
+            <a:r>
+              <a:rPr lang="en-US" sz="1600" dirty="0" smtClean="0">
+                <a:solidFill>
+                  <a:schemeClr val="accent6">
+                    <a:lumMod val="50000"/>
+                  </a:schemeClr>
+                </a:solidFill>
+              </a:rPr>
+              <a:t>0..1</a:t>
+            </a:r>
+            <a:endParaRPr lang="en-SG" sz="1600" dirty="0">
+              <a:solidFill>
+                <a:schemeClr val="accent6">
+                  <a:lumMod val="50000"/>
                 </a:schemeClr>
               </a:solidFill>
             </a:endParaRPr>

--- a/docs/images/StorageClassDiagram.pptx
+++ b/docs/images/StorageClassDiagram.pptx
@@ -217,7 +217,7 @@
           <a:p>
             <a:fld id="{41BD1D1A-6182-4434-B651-E6786C99D69D}" type="datetimeFigureOut">
               <a:rPr lang="en-AU" smtClean="0"/>
-              <a:t>20/8/18</a:t>
+              <a:t>14/08/2020</a:t>
             </a:fld>
             <a:endParaRPr lang="en-AU"/>
           </a:p>
@@ -383,7 +383,7 @@
             <a:fld id="{AF301891-4E62-472A-98E9-95DBD40531A4}" type="datetimeFigureOut">
               <a:rPr lang="en-SG" smtClean="0"/>
               <a:pPr/>
-              <a:t>20/8/18</a:t>
+              <a:t>14/8/2020</a:t>
             </a:fld>
             <a:endParaRPr lang="en-SG"/>
           </a:p>
@@ -938,7 +938,7 @@
             <a:fld id="{1D8BD707-D9CF-40AE-B4C6-C98DA3205C09}" type="datetimeFigureOut">
               <a:rPr lang="en-US" smtClean="0"/>
               <a:pPr/>
-              <a:t>8/20/18</a:t>
+              <a:t>8/14/2020</a:t>
             </a:fld>
             <a:endParaRPr lang="en-US"/>
           </a:p>
@@ -1152,7 +1152,7 @@
             <a:fld id="{1D8BD707-D9CF-40AE-B4C6-C98DA3205C09}" type="datetimeFigureOut">
               <a:rPr lang="en-US" smtClean="0"/>
               <a:pPr/>
-              <a:t>8/20/18</a:t>
+              <a:t>8/14/2020</a:t>
             </a:fld>
             <a:endParaRPr lang="en-US"/>
           </a:p>
@@ -1359,7 +1359,7 @@
             <a:fld id="{1D8BD707-D9CF-40AE-B4C6-C98DA3205C09}" type="datetimeFigureOut">
               <a:rPr lang="en-US" smtClean="0"/>
               <a:pPr/>
-              <a:t>8/20/18</a:t>
+              <a:t>8/14/2020</a:t>
             </a:fld>
             <a:endParaRPr lang="en-US"/>
           </a:p>
@@ -1566,7 +1566,7 @@
             <a:fld id="{1D8BD707-D9CF-40AE-B4C6-C98DA3205C09}" type="datetimeFigureOut">
               <a:rPr lang="en-US" smtClean="0"/>
               <a:pPr/>
-              <a:t>8/20/18</a:t>
+              <a:t>8/14/2020</a:t>
             </a:fld>
             <a:endParaRPr lang="en-US"/>
           </a:p>
@@ -1846,7 +1846,7 @@
             <a:fld id="{1D8BD707-D9CF-40AE-B4C6-C98DA3205C09}" type="datetimeFigureOut">
               <a:rPr lang="en-US" smtClean="0"/>
               <a:pPr/>
-              <a:t>8/20/18</a:t>
+              <a:t>8/14/2020</a:t>
             </a:fld>
             <a:endParaRPr lang="en-US"/>
           </a:p>
@@ -2176,7 +2176,7 @@
             <a:fld id="{1D8BD707-D9CF-40AE-B4C6-C98DA3205C09}" type="datetimeFigureOut">
               <a:rPr lang="en-US" smtClean="0"/>
               <a:pPr/>
-              <a:t>8/20/18</a:t>
+              <a:t>8/14/2020</a:t>
             </a:fld>
             <a:endParaRPr lang="en-US"/>
           </a:p>
@@ -2646,7 +2646,7 @@
             <a:fld id="{1D8BD707-D9CF-40AE-B4C6-C98DA3205C09}" type="datetimeFigureOut">
               <a:rPr lang="en-US" smtClean="0"/>
               <a:pPr/>
-              <a:t>8/20/18</a:t>
+              <a:t>8/14/2020</a:t>
             </a:fld>
             <a:endParaRPr lang="en-US"/>
           </a:p>
@@ -2793,7 +2793,7 @@
             <a:fld id="{1D8BD707-D9CF-40AE-B4C6-C98DA3205C09}" type="datetimeFigureOut">
               <a:rPr lang="en-US" smtClean="0"/>
               <a:pPr/>
-              <a:t>8/20/18</a:t>
+              <a:t>8/14/2020</a:t>
             </a:fld>
             <a:endParaRPr lang="en-US"/>
           </a:p>
@@ -2909,7 +2909,7 @@
             <a:fld id="{1D8BD707-D9CF-40AE-B4C6-C98DA3205C09}" type="datetimeFigureOut">
               <a:rPr lang="en-US" smtClean="0"/>
               <a:pPr/>
-              <a:t>8/20/18</a:t>
+              <a:t>8/14/2020</a:t>
             </a:fld>
             <a:endParaRPr lang="en-US"/>
           </a:p>
@@ -3216,7 +3216,7 @@
             <a:fld id="{1D8BD707-D9CF-40AE-B4C6-C98DA3205C09}" type="datetimeFigureOut">
               <a:rPr lang="en-US" smtClean="0"/>
               <a:pPr/>
-              <a:t>8/20/18</a:t>
+              <a:t>8/14/2020</a:t>
             </a:fld>
             <a:endParaRPr lang="en-US"/>
           </a:p>
@@ -3499,7 +3499,7 @@
             <a:fld id="{1D8BD707-D9CF-40AE-B4C6-C98DA3205C09}" type="datetimeFigureOut">
               <a:rPr lang="en-US" smtClean="0"/>
               <a:pPr/>
-              <a:t>8/20/18</a:t>
+              <a:t>8/14/2020</a:t>
             </a:fld>
             <a:endParaRPr lang="en-US"/>
           </a:p>
@@ -4153,51 +4153,6 @@
       </p:sp>
       <p:sp>
         <p:nvSpPr>
-          <p:cNvPr id="53" name="Rectangle 52"/>
-          <p:cNvSpPr/>
-          <p:nvPr/>
-        </p:nvSpPr>
-        <p:spPr>
-          <a:xfrm>
-            <a:off x="5548514" y="2986619"/>
-            <a:ext cx="1080000" cy="360000"/>
-          </a:xfrm>
-          <a:prstGeom prst="rect">
-            <a:avLst/>
-          </a:prstGeom>
-          <a:ln/>
-        </p:spPr>
-        <p:style>
-          <a:lnRef idx="2">
-            <a:schemeClr val="accent3">
-              <a:shade val="50000"/>
-            </a:schemeClr>
-          </a:lnRef>
-          <a:fillRef idx="1">
-            <a:schemeClr val="accent3"/>
-          </a:fillRef>
-          <a:effectRef idx="0">
-            <a:schemeClr val="accent3"/>
-          </a:effectRef>
-          <a:fontRef idx="minor">
-            <a:schemeClr val="lt1"/>
-          </a:fontRef>
-        </p:style>
-        <p:txBody>
-          <a:bodyPr rtlCol="0" anchor="ctr"/>
-          <a:lstStyle/>
-          <a:p>
-            <a:pPr algn="ctr"/>
-            <a:r>
-              <a:rPr lang="en-US" sz="1600" b="1" dirty="0"/>
-              <a:t>Comment</a:t>
-            </a:r>
-            <a:endParaRPr lang="en-SG" sz="1600" b="1" dirty="0"/>
-          </a:p>
-        </p:txBody>
-      </p:sp>
-      <p:sp>
-        <p:nvSpPr>
           <p:cNvPr id="54" name="Rectangle 53"/>
           <p:cNvSpPr/>
           <p:nvPr/>
@@ -4494,28 +4449,68 @@
           </a:fontRef>
         </p:style>
       </p:cxnSp>
+      <p:sp>
+        <p:nvSpPr>
+          <p:cNvPr id="63" name="TextBox 62"/>
+          <p:cNvSpPr txBox="1"/>
+          <p:nvPr/>
+        </p:nvSpPr>
+        <p:spPr>
+          <a:xfrm>
+            <a:off x="3964966" y="2251577"/>
+            <a:ext cx="170709" cy="200457"/>
+          </a:xfrm>
+          <a:prstGeom prst="rect">
+            <a:avLst/>
+          </a:prstGeom>
+          <a:noFill/>
+        </p:spPr>
+        <p:txBody>
+          <a:bodyPr wrap="square" lIns="0" tIns="0" rIns="0" bIns="0" rtlCol="0" anchor="ctr" anchorCtr="0">
+            <a:noAutofit/>
+          </a:bodyPr>
+          <a:lstStyle/>
+          <a:p>
+            <a:r>
+              <a:rPr lang="en-US" b="1" dirty="0" smtClean="0">
+                <a:solidFill>
+                  <a:schemeClr val="accent6">
+                    <a:lumMod val="50000"/>
+                  </a:schemeClr>
+                </a:solidFill>
+              </a:rPr>
+              <a:t>*</a:t>
+            </a:r>
+            <a:endParaRPr lang="en-SG" b="1" dirty="0">
+              <a:solidFill>
+                <a:schemeClr val="accent6">
+                  <a:lumMod val="50000"/>
+                </a:schemeClr>
+              </a:solidFill>
+            </a:endParaRPr>
+          </a:p>
+        </p:txBody>
+      </p:sp>
       <p:cxnSp>
         <p:nvCxnSpPr>
-          <p:cNvPr id="61" name="Elbow Connector 60"/>
+          <p:cNvPr id="64" name="Elbow Connector 63"/>
           <p:cNvCxnSpPr>
-            <a:stCxn id="48" idx="3"/>
-            <a:endCxn id="53" idx="1"/>
+            <a:stCxn id="58" idx="2"/>
+            <a:endCxn id="56" idx="1"/>
           </p:cNvCxnSpPr>
           <p:nvPr/>
         </p:nvCxnSpPr>
         <p:spPr>
-          <a:xfrm>
-            <a:off x="4766688" y="2901848"/>
-            <a:ext cx="781826" cy="264771"/>
-          </a:xfrm>
-          <a:prstGeom prst="bentConnector3">
-            <a:avLst>
-              <a:gd name="adj1" fmla="val 50000"/>
-            </a:avLst>
+          <a:xfrm rot="16200000" flipH="1">
+            <a:off x="4529575" y="3175473"/>
+            <a:ext cx="948045" cy="1101971"/>
+          </a:xfrm>
+          <a:prstGeom prst="bentConnector2">
+            <a:avLst/>
           </a:prstGeom>
           <a:ln w="57150" cmpd="dbl">
             <a:solidFill>
-              <a:schemeClr val="accent3">
+              <a:schemeClr val="accent6">
                 <a:lumMod val="50000"/>
               </a:schemeClr>
             </a:solidFill>
@@ -4543,55 +4538,13 @@
       </p:cxnSp>
       <p:sp>
         <p:nvSpPr>
-          <p:cNvPr id="62" name="TextBox 61"/>
+          <p:cNvPr id="65" name="TextBox 64"/>
           <p:cNvSpPr txBox="1"/>
           <p:nvPr/>
         </p:nvSpPr>
         <p:spPr>
           <a:xfrm>
-            <a:off x="4924537" y="2573764"/>
-            <a:ext cx="170709" cy="200457"/>
-          </a:xfrm>
-          <a:prstGeom prst="rect">
-            <a:avLst/>
-          </a:prstGeom>
-          <a:noFill/>
-        </p:spPr>
-        <p:txBody>
-          <a:bodyPr wrap="square" lIns="0" tIns="0" rIns="0" bIns="0" rtlCol="0" anchor="ctr" anchorCtr="0">
-            <a:noAutofit/>
-          </a:bodyPr>
-          <a:lstStyle/>
-          <a:p>
-            <a:r>
-              <a:rPr lang="en-US" sz="1600" dirty="0">
-                <a:solidFill>
-                  <a:schemeClr val="accent3">
-                    <a:lumMod val="50000"/>
-                  </a:schemeClr>
-                </a:solidFill>
-              </a:rPr>
-              <a:t>1</a:t>
-            </a:r>
-            <a:endParaRPr lang="en-SG" sz="1600" dirty="0">
-              <a:solidFill>
-                <a:schemeClr val="accent3">
-                  <a:lumMod val="50000"/>
-                </a:schemeClr>
-              </a:solidFill>
-            </a:endParaRPr>
-          </a:p>
-        </p:txBody>
-      </p:sp>
-      <p:sp>
-        <p:nvSpPr>
-          <p:cNvPr id="63" name="TextBox 62"/>
-          <p:cNvSpPr txBox="1"/>
-          <p:nvPr/>
-        </p:nvSpPr>
-        <p:spPr>
-          <a:xfrm>
-            <a:off x="3964966" y="2251577"/>
+            <a:off x="4585270" y="3185649"/>
             <a:ext cx="170709" cy="200457"/>
           </a:xfrm>
           <a:prstGeom prst="rect">
@@ -4618,271 +4571,6 @@
             <a:endParaRPr lang="en-SG" b="1" dirty="0">
               <a:solidFill>
                 <a:schemeClr val="accent6">
-                  <a:lumMod val="50000"/>
-                </a:schemeClr>
-              </a:solidFill>
-            </a:endParaRPr>
-          </a:p>
-        </p:txBody>
-      </p:sp>
-      <p:cxnSp>
-        <p:nvCxnSpPr>
-          <p:cNvPr id="64" name="Elbow Connector 63"/>
-          <p:cNvCxnSpPr>
-            <a:stCxn id="58" idx="2"/>
-            <a:endCxn id="56" idx="1"/>
-          </p:cNvCxnSpPr>
-          <p:nvPr/>
-        </p:nvCxnSpPr>
-        <p:spPr>
-          <a:xfrm rot="16200000" flipH="1">
-            <a:off x="4529575" y="3175473"/>
-            <a:ext cx="948045" cy="1101971"/>
-          </a:xfrm>
-          <a:prstGeom prst="bentConnector2">
-            <a:avLst/>
-          </a:prstGeom>
-          <a:ln w="57150" cmpd="dbl">
-            <a:solidFill>
-              <a:schemeClr val="accent6">
-                <a:lumMod val="50000"/>
-              </a:schemeClr>
-            </a:solidFill>
-            <a:prstDash val="solid"/>
-            <a:headEnd type="triangle" w="med" len="med"/>
-            <a:tailEnd type="none" w="med" len="med"/>
-          </a:ln>
-        </p:spPr>
-        <p:style>
-          <a:lnRef idx="2">
-            <a:schemeClr val="accent6">
-              <a:shade val="50000"/>
-            </a:schemeClr>
-          </a:lnRef>
-          <a:fillRef idx="1">
-            <a:schemeClr val="accent6"/>
-          </a:fillRef>
-          <a:effectRef idx="0">
-            <a:schemeClr val="accent6"/>
-          </a:effectRef>
-          <a:fontRef idx="minor">
-            <a:schemeClr val="lt1"/>
-          </a:fontRef>
-        </p:style>
-      </p:cxnSp>
-      <p:sp>
-        <p:nvSpPr>
-          <p:cNvPr id="65" name="TextBox 64"/>
-          <p:cNvSpPr txBox="1"/>
-          <p:nvPr/>
-        </p:nvSpPr>
-        <p:spPr>
-          <a:xfrm>
-            <a:off x="4585270" y="3185649"/>
-            <a:ext cx="170709" cy="200457"/>
-          </a:xfrm>
-          <a:prstGeom prst="rect">
-            <a:avLst/>
-          </a:prstGeom>
-          <a:noFill/>
-        </p:spPr>
-        <p:txBody>
-          <a:bodyPr wrap="square" lIns="0" tIns="0" rIns="0" bIns="0" rtlCol="0" anchor="ctr" anchorCtr="0">
-            <a:noAutofit/>
-          </a:bodyPr>
-          <a:lstStyle/>
-          <a:p>
-            <a:r>
-              <a:rPr lang="en-US" b="1" dirty="0" smtClean="0">
-                <a:solidFill>
-                  <a:schemeClr val="accent6">
-                    <a:lumMod val="50000"/>
-                  </a:schemeClr>
-                </a:solidFill>
-              </a:rPr>
-              <a:t>*</a:t>
-            </a:r>
-            <a:endParaRPr lang="en-SG" b="1" dirty="0">
-              <a:solidFill>
-                <a:schemeClr val="accent6">
-                  <a:lumMod val="50000"/>
-                </a:schemeClr>
-              </a:solidFill>
-            </a:endParaRPr>
-          </a:p>
-        </p:txBody>
-      </p:sp>
-      <p:cxnSp>
-        <p:nvCxnSpPr>
-          <p:cNvPr id="66" name="Elbow Connector 65"/>
-          <p:cNvCxnSpPr>
-            <a:stCxn id="47" idx="2"/>
-            <a:endCxn id="53" idx="0"/>
-          </p:cNvCxnSpPr>
-          <p:nvPr/>
-        </p:nvCxnSpPr>
-        <p:spPr>
-          <a:xfrm rot="5400000">
-            <a:off x="5723940" y="2622044"/>
-            <a:ext cx="741849" cy="0"/>
-          </a:xfrm>
-          <a:prstGeom prst="bentConnector3">
-            <a:avLst>
-              <a:gd name="adj1" fmla="val 50000"/>
-            </a:avLst>
-          </a:prstGeom>
-          <a:ln w="57150" cmpd="dbl">
-            <a:solidFill>
-              <a:schemeClr val="accent3">
-                <a:lumMod val="50000"/>
-              </a:schemeClr>
-            </a:solidFill>
-            <a:prstDash val="solid"/>
-            <a:headEnd type="triangle" w="med" len="med"/>
-            <a:tailEnd type="none" w="med" len="med"/>
-          </a:ln>
-        </p:spPr>
-        <p:style>
-          <a:lnRef idx="2">
-            <a:schemeClr val="accent6">
-              <a:shade val="50000"/>
-            </a:schemeClr>
-          </a:lnRef>
-          <a:fillRef idx="1">
-            <a:schemeClr val="accent6"/>
-          </a:fillRef>
-          <a:effectRef idx="0">
-            <a:schemeClr val="accent6"/>
-          </a:effectRef>
-          <a:fontRef idx="minor">
-            <a:schemeClr val="lt1"/>
-          </a:fontRef>
-        </p:style>
-      </p:cxnSp>
-      <p:cxnSp>
-        <p:nvCxnSpPr>
-          <p:cNvPr id="67" name="Elbow Connector 66"/>
-          <p:cNvCxnSpPr>
-            <a:stCxn id="56" idx="0"/>
-            <a:endCxn id="53" idx="2"/>
-          </p:cNvCxnSpPr>
-          <p:nvPr/>
-        </p:nvCxnSpPr>
-        <p:spPr>
-          <a:xfrm rot="16200000" flipV="1">
-            <a:off x="5751584" y="3683550"/>
-            <a:ext cx="673863" cy="0"/>
-          </a:xfrm>
-          <a:prstGeom prst="bentConnector3">
-            <a:avLst>
-              <a:gd name="adj1" fmla="val 50000"/>
-            </a:avLst>
-          </a:prstGeom>
-          <a:ln w="57150" cmpd="dbl">
-            <a:solidFill>
-              <a:schemeClr val="accent3">
-                <a:lumMod val="50000"/>
-              </a:schemeClr>
-            </a:solidFill>
-            <a:prstDash val="solid"/>
-            <a:headEnd type="triangle" w="med" len="med"/>
-            <a:tailEnd type="none" w="med" len="med"/>
-          </a:ln>
-        </p:spPr>
-        <p:style>
-          <a:lnRef idx="2">
-            <a:schemeClr val="accent6">
-              <a:shade val="50000"/>
-            </a:schemeClr>
-          </a:lnRef>
-          <a:fillRef idx="1">
-            <a:schemeClr val="accent6"/>
-          </a:fillRef>
-          <a:effectRef idx="0">
-            <a:schemeClr val="accent6"/>
-          </a:effectRef>
-          <a:fontRef idx="minor">
-            <a:schemeClr val="lt1"/>
-          </a:fontRef>
-        </p:style>
-      </p:cxnSp>
-      <p:sp>
-        <p:nvSpPr>
-          <p:cNvPr id="68" name="TextBox 67"/>
-          <p:cNvSpPr txBox="1"/>
-          <p:nvPr/>
-        </p:nvSpPr>
-        <p:spPr>
-          <a:xfrm>
-            <a:off x="6210701" y="2685417"/>
-            <a:ext cx="228600" cy="193093"/>
-          </a:xfrm>
-          <a:prstGeom prst="rect">
-            <a:avLst/>
-          </a:prstGeom>
-          <a:noFill/>
-        </p:spPr>
-        <p:txBody>
-          <a:bodyPr wrap="square" lIns="0" tIns="0" rIns="0" bIns="0" rtlCol="0" anchor="ctr" anchorCtr="0">
-            <a:noAutofit/>
-          </a:bodyPr>
-          <a:lstStyle/>
-          <a:p>
-            <a:r>
-              <a:rPr lang="en-US" sz="1600" dirty="0">
-                <a:solidFill>
-                  <a:schemeClr val="accent3">
-                    <a:lumMod val="50000"/>
-                  </a:schemeClr>
-                </a:solidFill>
-              </a:rPr>
-              <a:t>1</a:t>
-            </a:r>
-            <a:endParaRPr lang="en-SG" sz="1600" dirty="0">
-              <a:solidFill>
-                <a:schemeClr val="accent3">
-                  <a:lumMod val="50000"/>
-                </a:schemeClr>
-              </a:solidFill>
-            </a:endParaRPr>
-          </a:p>
-        </p:txBody>
-      </p:sp>
-      <p:sp>
-        <p:nvSpPr>
-          <p:cNvPr id="69" name="TextBox 68"/>
-          <p:cNvSpPr txBox="1"/>
-          <p:nvPr/>
-        </p:nvSpPr>
-        <p:spPr>
-          <a:xfrm>
-            <a:off x="6190839" y="3410875"/>
-            <a:ext cx="170709" cy="200457"/>
-          </a:xfrm>
-          <a:prstGeom prst="rect">
-            <a:avLst/>
-          </a:prstGeom>
-          <a:noFill/>
-        </p:spPr>
-        <p:txBody>
-          <a:bodyPr wrap="square" lIns="0" tIns="0" rIns="0" bIns="0" rtlCol="0" anchor="ctr" anchorCtr="0">
-            <a:noAutofit/>
-          </a:bodyPr>
-          <a:lstStyle/>
-          <a:p>
-            <a:r>
-              <a:rPr lang="en-US" sz="1600" dirty="0">
-                <a:solidFill>
-                  <a:schemeClr val="accent3">
-                    <a:lumMod val="50000"/>
-                  </a:schemeClr>
-                </a:solidFill>
-              </a:rPr>
-              <a:t>1</a:t>
-            </a:r>
-            <a:endParaRPr lang="en-SG" sz="1600" dirty="0">
-              <a:solidFill>
-                <a:schemeClr val="accent3">
                   <a:lumMod val="50000"/>
                 </a:schemeClr>
               </a:solidFill>
